--- a/Capstone_Project_2_Presentation.pptx
+++ b/Capstone_Project_2_Presentation.pptx
@@ -286,7 +286,7 @@
           <a:p>
             <a:fld id="{9CD4CA5D-FBB2-4CEE-A585-5771FD6B351F}" type="datetimeFigureOut">
               <a:rPr lang="en-NZ" smtClean="0"/>
-              <a:t>22/11/2025</a:t>
+              <a:t>23/11/2025</a:t>
             </a:fld>
             <a:endParaRPr lang="en-NZ"/>
           </a:p>
@@ -486,7 +486,7 @@
           <a:p>
             <a:fld id="{9CD4CA5D-FBB2-4CEE-A585-5771FD6B351F}" type="datetimeFigureOut">
               <a:rPr lang="en-NZ" smtClean="0"/>
-              <a:t>22/11/2025</a:t>
+              <a:t>23/11/2025</a:t>
             </a:fld>
             <a:endParaRPr lang="en-NZ"/>
           </a:p>
@@ -696,7 +696,7 @@
           <a:p>
             <a:fld id="{9CD4CA5D-FBB2-4CEE-A585-5771FD6B351F}" type="datetimeFigureOut">
               <a:rPr lang="en-NZ" smtClean="0"/>
-              <a:t>22/11/2025</a:t>
+              <a:t>23/11/2025</a:t>
             </a:fld>
             <a:endParaRPr lang="en-NZ"/>
           </a:p>
@@ -896,7 +896,7 @@
           <a:p>
             <a:fld id="{9CD4CA5D-FBB2-4CEE-A585-5771FD6B351F}" type="datetimeFigureOut">
               <a:rPr lang="en-NZ" smtClean="0"/>
-              <a:t>22/11/2025</a:t>
+              <a:t>23/11/2025</a:t>
             </a:fld>
             <a:endParaRPr lang="en-NZ"/>
           </a:p>
@@ -1172,7 +1172,7 @@
           <a:p>
             <a:fld id="{9CD4CA5D-FBB2-4CEE-A585-5771FD6B351F}" type="datetimeFigureOut">
               <a:rPr lang="en-NZ" smtClean="0"/>
-              <a:t>22/11/2025</a:t>
+              <a:t>23/11/2025</a:t>
             </a:fld>
             <a:endParaRPr lang="en-NZ"/>
           </a:p>
@@ -1440,7 +1440,7 @@
           <a:p>
             <a:fld id="{9CD4CA5D-FBB2-4CEE-A585-5771FD6B351F}" type="datetimeFigureOut">
               <a:rPr lang="en-NZ" smtClean="0"/>
-              <a:t>22/11/2025</a:t>
+              <a:t>23/11/2025</a:t>
             </a:fld>
             <a:endParaRPr lang="en-NZ"/>
           </a:p>
@@ -1855,7 +1855,7 @@
           <a:p>
             <a:fld id="{9CD4CA5D-FBB2-4CEE-A585-5771FD6B351F}" type="datetimeFigureOut">
               <a:rPr lang="en-NZ" smtClean="0"/>
-              <a:t>22/11/2025</a:t>
+              <a:t>23/11/2025</a:t>
             </a:fld>
             <a:endParaRPr lang="en-NZ"/>
           </a:p>
@@ -1997,7 +1997,7 @@
           <a:p>
             <a:fld id="{9CD4CA5D-FBB2-4CEE-A585-5771FD6B351F}" type="datetimeFigureOut">
               <a:rPr lang="en-NZ" smtClean="0"/>
-              <a:t>22/11/2025</a:t>
+              <a:t>23/11/2025</a:t>
             </a:fld>
             <a:endParaRPr lang="en-NZ"/>
           </a:p>
@@ -2110,7 +2110,7 @@
           <a:p>
             <a:fld id="{9CD4CA5D-FBB2-4CEE-A585-5771FD6B351F}" type="datetimeFigureOut">
               <a:rPr lang="en-NZ" smtClean="0"/>
-              <a:t>22/11/2025</a:t>
+              <a:t>23/11/2025</a:t>
             </a:fld>
             <a:endParaRPr lang="en-NZ"/>
           </a:p>
@@ -2423,7 +2423,7 @@
           <a:p>
             <a:fld id="{9CD4CA5D-FBB2-4CEE-A585-5771FD6B351F}" type="datetimeFigureOut">
               <a:rPr lang="en-NZ" smtClean="0"/>
-              <a:t>22/11/2025</a:t>
+              <a:t>23/11/2025</a:t>
             </a:fld>
             <a:endParaRPr lang="en-NZ"/>
           </a:p>
@@ -2712,7 +2712,7 @@
           <a:p>
             <a:fld id="{9CD4CA5D-FBB2-4CEE-A585-5771FD6B351F}" type="datetimeFigureOut">
               <a:rPr lang="en-NZ" smtClean="0"/>
-              <a:t>22/11/2025</a:t>
+              <a:t>23/11/2025</a:t>
             </a:fld>
             <a:endParaRPr lang="en-NZ"/>
           </a:p>
@@ -2955,7 +2955,7 @@
           <a:p>
             <a:fld id="{9CD4CA5D-FBB2-4CEE-A585-5771FD6B351F}" type="datetimeFigureOut">
               <a:rPr lang="en-NZ" smtClean="0"/>
-              <a:t>22/11/2025</a:t>
+              <a:t>23/11/2025</a:t>
             </a:fld>
             <a:endParaRPr lang="en-NZ"/>
           </a:p>
@@ -5513,160 +5513,835 @@
           </a:p>
         </p:txBody>
       </p:sp>
-      <p:sp>
-        <p:nvSpPr>
-          <p:cNvPr id="7" name="Rectangle 6">
-            <a:extLst>
-              <a:ext uri="{FF2B5EF4-FFF2-40B4-BE49-F238E27FC236}">
-                <a16:creationId xmlns:a16="http://schemas.microsoft.com/office/drawing/2014/main" id="{6E27247A-79EC-9C06-0CCF-FC317F8EEA61}"/>
-              </a:ext>
-            </a:extLst>
-          </p:cNvPr>
-          <p:cNvSpPr/>
-          <p:nvPr/>
-        </p:nvSpPr>
-        <p:spPr>
-          <a:xfrm>
-            <a:off x="850747" y="1259881"/>
-            <a:ext cx="10490506" cy="4510298"/>
-          </a:xfrm>
-          <a:prstGeom prst="rect">
-            <a:avLst/>
-          </a:prstGeom>
-          <a:solidFill>
-            <a:schemeClr val="bg1">
-              <a:alpha val="68000"/>
-            </a:schemeClr>
-          </a:solidFill>
-          <a:ln>
-            <a:noFill/>
-          </a:ln>
-        </p:spPr>
-        <p:style>
-          <a:lnRef idx="2">
-            <a:schemeClr val="accent1">
-              <a:shade val="15000"/>
-            </a:schemeClr>
-          </a:lnRef>
-          <a:fillRef idx="1">
-            <a:schemeClr val="accent1"/>
-          </a:fillRef>
-          <a:effectRef idx="0">
-            <a:schemeClr val="accent1"/>
-          </a:effectRef>
-          <a:fontRef idx="minor">
-            <a:schemeClr val="lt1"/>
-          </a:fontRef>
-        </p:style>
-        <p:txBody>
-          <a:bodyPr rtlCol="0" anchor="ctr"/>
-          <a:lstStyle/>
-          <a:p>
-            <a:pPr marL="285750" indent="-285750" algn="just">
-              <a:buFont typeface="Arial" panose="020B0604020202020204" pitchFamily="34" charset="0"/>
-              <a:buChar char="•"/>
-            </a:pPr>
-            <a:r>
-              <a:rPr lang="en-US" b="0" i="0" dirty="0">
-                <a:solidFill>
-                  <a:schemeClr val="tx1"/>
-                </a:solidFill>
-                <a:effectLst/>
-                <a:latin typeface="Bahnschrift" panose="020B0502040204020203" pitchFamily="34" charset="0"/>
-              </a:rPr>
-              <a:t>From spearman test conducted for review metrics and price, p-value less than 0.05 and positive correlation.</a:t>
-            </a:r>
-          </a:p>
-          <a:p>
-            <a:pPr marL="285750" indent="-285750" algn="just">
-              <a:buFont typeface="Arial" panose="020B0604020202020204" pitchFamily="34" charset="0"/>
-              <a:buChar char="•"/>
-            </a:pPr>
-            <a:r>
-              <a:rPr lang="en-US" b="0" i="0" dirty="0">
-                <a:solidFill>
-                  <a:schemeClr val="tx1"/>
-                </a:solidFill>
-                <a:effectLst/>
-                <a:latin typeface="Bahnschrift" panose="020B0502040204020203" pitchFamily="34" charset="0"/>
-              </a:rPr>
-              <a:t>Using ANOVA for reviews per month across price segment, we got p value less than 0.05 meaning there is significant of price segment on review metrics</a:t>
-            </a:r>
-          </a:p>
-          <a:p>
-            <a:pPr marL="285750" indent="-285750" algn="just">
-              <a:buFont typeface="Arial" panose="020B0604020202020204" pitchFamily="34" charset="0"/>
-              <a:buChar char="•"/>
-            </a:pPr>
-            <a:r>
-              <a:rPr lang="en-US" dirty="0">
-                <a:solidFill>
-                  <a:schemeClr val="tx1"/>
-                </a:solidFill>
-                <a:latin typeface="Bahnschrift" panose="020B0502040204020203" pitchFamily="34" charset="0"/>
-              </a:rPr>
-              <a:t>From spearman test conducted on correlation between count of listings and average price. p value is less than 0.05 with  positive correlation meaning that there is correlation between those two.</a:t>
-            </a:r>
-          </a:p>
-          <a:p>
-            <a:pPr marL="285750" indent="-285750" algn="just">
-              <a:buFont typeface="Arial" panose="020B0604020202020204" pitchFamily="34" charset="0"/>
-              <a:buChar char="•"/>
-            </a:pPr>
-            <a:r>
-              <a:rPr lang="en-US" dirty="0">
-                <a:solidFill>
-                  <a:schemeClr val="tx1"/>
-                </a:solidFill>
-                <a:latin typeface="Bahnschrift" panose="020B0502040204020203" pitchFamily="34" charset="0"/>
-              </a:rPr>
-              <a:t>Using ANOVA to assess the relationship between average reviews across neighborhoods. P-value less than 0.05 indicating neighborhoods statistically differ in average reviews.</a:t>
-            </a:r>
-          </a:p>
-          <a:p>
-            <a:pPr marL="285750" indent="-285750" algn="just">
-              <a:buFont typeface="Arial" panose="020B0604020202020204" pitchFamily="34" charset="0"/>
-              <a:buChar char="•"/>
-            </a:pPr>
-            <a:r>
-              <a:rPr lang="en-US" dirty="0">
-                <a:solidFill>
-                  <a:schemeClr val="tx1"/>
-                </a:solidFill>
-                <a:latin typeface="Bahnschrift" panose="020B0502040204020203" pitchFamily="34" charset="0"/>
-              </a:rPr>
-              <a:t>Using Chi Test for low and high reviews by host shown that p-value less than 0.05 meaning that there is association with host types and listing reviews group.</a:t>
-            </a:r>
-          </a:p>
-          <a:p>
-            <a:pPr marL="285750" indent="-285750" algn="just">
-              <a:buFont typeface="Arial" panose="020B0604020202020204" pitchFamily="34" charset="0"/>
-              <a:buChar char="•"/>
-            </a:pPr>
-            <a:r>
-              <a:rPr lang="en-US" dirty="0">
-                <a:solidFill>
-                  <a:schemeClr val="tx1"/>
-                </a:solidFill>
-                <a:latin typeface="Bahnschrift" panose="020B0502040204020203" pitchFamily="34" charset="0"/>
-              </a:rPr>
-              <a:t>Using spearman conducted on correlation for minimum nights policy and availability, both of them shows that it constantly has p-value less than 0.05 with negative value indicating negative correlation</a:t>
-            </a:r>
-          </a:p>
-          <a:p>
-            <a:pPr marL="285750" indent="-285750" algn="just">
-              <a:buFont typeface="Arial" panose="020B0604020202020204" pitchFamily="34" charset="0"/>
-              <a:buChar char="•"/>
-            </a:pPr>
-            <a:endParaRPr lang="en-NZ" sz="1400" dirty="0">
-              <a:solidFill>
-                <a:schemeClr val="tx1"/>
-              </a:solidFill>
-              <a:latin typeface="Bahnschrift" panose="020B0502040204020203" pitchFamily="34" charset="0"/>
-            </a:endParaRPr>
-          </a:p>
-        </p:txBody>
-      </p:sp>
+      <p:graphicFrame>
+        <p:nvGraphicFramePr>
+          <p:cNvPr id="3" name="Table 2">
+            <a:extLst>
+              <a:ext uri="{FF2B5EF4-FFF2-40B4-BE49-F238E27FC236}">
+                <a16:creationId xmlns:a16="http://schemas.microsoft.com/office/drawing/2014/main" id="{656A8402-BAAF-0D8A-938E-6C1D634B8CD9}"/>
+              </a:ext>
+            </a:extLst>
+          </p:cNvPr>
+          <p:cNvGraphicFramePr>
+            <a:graphicFrameLocks noGrp="1"/>
+          </p:cNvGraphicFramePr>
+          <p:nvPr>
+            <p:extLst>
+              <p:ext uri="{D42A27DB-BD31-4B8C-83A1-F6EECF244321}">
+                <p14:modId xmlns:p14="http://schemas.microsoft.com/office/powerpoint/2010/main" val="2751725307"/>
+              </p:ext>
+            </p:extLst>
+          </p:nvPr>
+        </p:nvGraphicFramePr>
+        <p:xfrm>
+          <a:off x="850747" y="1615148"/>
+          <a:ext cx="10521360" cy="4092688"/>
+        </p:xfrm>
+        <a:graphic>
+          <a:graphicData uri="http://schemas.openxmlformats.org/drawingml/2006/table">
+            <a:tbl>
+              <a:tblPr firstRow="1" bandRow="1">
+                <a:tableStyleId>{5C22544A-7EE6-4342-B048-85BDC9FD1C3A}</a:tableStyleId>
+              </a:tblPr>
+              <a:tblGrid>
+                <a:gridCol w="1273493">
+                  <a:extLst>
+                    <a:ext uri="{9D8B030D-6E8A-4147-A177-3AD203B41FA5}">
+                      <a16:colId xmlns:a16="http://schemas.microsoft.com/office/drawing/2014/main" val="622912193"/>
+                    </a:ext>
+                  </a:extLst>
+                </a:gridCol>
+                <a:gridCol w="3229293">
+                  <a:extLst>
+                    <a:ext uri="{9D8B030D-6E8A-4147-A177-3AD203B41FA5}">
+                      <a16:colId xmlns:a16="http://schemas.microsoft.com/office/drawing/2014/main" val="870858941"/>
+                    </a:ext>
+                  </a:extLst>
+                </a:gridCol>
+                <a:gridCol w="1198179">
+                  <a:extLst>
+                    <a:ext uri="{9D8B030D-6E8A-4147-A177-3AD203B41FA5}">
+                      <a16:colId xmlns:a16="http://schemas.microsoft.com/office/drawing/2014/main" val="1634259375"/>
+                    </a:ext>
+                  </a:extLst>
+                </a:gridCol>
+                <a:gridCol w="1062355">
+                  <a:extLst>
+                    <a:ext uri="{9D8B030D-6E8A-4147-A177-3AD203B41FA5}">
+                      <a16:colId xmlns:a16="http://schemas.microsoft.com/office/drawing/2014/main" val="1886945874"/>
+                    </a:ext>
+                  </a:extLst>
+                </a:gridCol>
+                <a:gridCol w="3758040">
+                  <a:extLst>
+                    <a:ext uri="{9D8B030D-6E8A-4147-A177-3AD203B41FA5}">
+                      <a16:colId xmlns:a16="http://schemas.microsoft.com/office/drawing/2014/main" val="2507187241"/>
+                    </a:ext>
+                  </a:extLst>
+                </a:gridCol>
+              </a:tblGrid>
+              <a:tr h="446816">
+                <a:tc>
+                  <a:txBody>
+                    <a:bodyPr/>
+                    <a:lstStyle/>
+                    <a:p>
+                      <a:r>
+                        <a:rPr lang="en-NZ" dirty="0">
+                          <a:latin typeface="Bahnschrift" panose="020B0502040204020203" pitchFamily="34" charset="0"/>
+                        </a:rPr>
+                        <a:t>Test</a:t>
+                      </a:r>
+                    </a:p>
+                  </a:txBody>
+                  <a:tcPr>
+                    <a:solidFill>
+                      <a:srgbClr val="DB255D"/>
+                    </a:solidFill>
+                  </a:tcPr>
+                </a:tc>
+                <a:tc>
+                  <a:txBody>
+                    <a:bodyPr/>
+                    <a:lstStyle/>
+                    <a:p>
+                      <a:r>
+                        <a:rPr lang="en-NZ" dirty="0">
+                          <a:latin typeface="Bahnschrift" panose="020B0502040204020203" pitchFamily="34" charset="0"/>
+                        </a:rPr>
+                        <a:t>Variables</a:t>
+                      </a:r>
+                    </a:p>
+                  </a:txBody>
+                  <a:tcPr>
+                    <a:solidFill>
+                      <a:srgbClr val="DB255D"/>
+                    </a:solidFill>
+                  </a:tcPr>
+                </a:tc>
+                <a:tc>
+                  <a:txBody>
+                    <a:bodyPr/>
+                    <a:lstStyle/>
+                    <a:p>
+                      <a:r>
+                        <a:rPr lang="en-NZ" dirty="0">
+                          <a:latin typeface="Bahnschrift" panose="020B0502040204020203" pitchFamily="34" charset="0"/>
+                        </a:rPr>
+                        <a:t>Statistic</a:t>
+                      </a:r>
+                    </a:p>
+                  </a:txBody>
+                  <a:tcPr>
+                    <a:solidFill>
+                      <a:srgbClr val="DB255D"/>
+                    </a:solidFill>
+                  </a:tcPr>
+                </a:tc>
+                <a:tc>
+                  <a:txBody>
+                    <a:bodyPr/>
+                    <a:lstStyle/>
+                    <a:p>
+                      <a:r>
+                        <a:rPr lang="en-NZ" dirty="0">
+                          <a:latin typeface="Bahnschrift" panose="020B0502040204020203" pitchFamily="34" charset="0"/>
+                        </a:rPr>
+                        <a:t>P-Value</a:t>
+                      </a:r>
+                    </a:p>
+                  </a:txBody>
+                  <a:tcPr>
+                    <a:solidFill>
+                      <a:srgbClr val="DB255D"/>
+                    </a:solidFill>
+                  </a:tcPr>
+                </a:tc>
+                <a:tc>
+                  <a:txBody>
+                    <a:bodyPr/>
+                    <a:lstStyle/>
+                    <a:p>
+                      <a:r>
+                        <a:rPr lang="en-NZ" dirty="0">
+                          <a:latin typeface="Bahnschrift" panose="020B0502040204020203" pitchFamily="34" charset="0"/>
+                        </a:rPr>
+                        <a:t>Result</a:t>
+                      </a:r>
+                    </a:p>
+                  </a:txBody>
+                  <a:tcPr>
+                    <a:solidFill>
+                      <a:srgbClr val="DB255D"/>
+                    </a:solidFill>
+                  </a:tcPr>
+                </a:tc>
+                <a:extLst>
+                  <a:ext uri="{0D108BD9-81ED-4DB2-BD59-A6C34878D82A}">
+                    <a16:rowId xmlns:a16="http://schemas.microsoft.com/office/drawing/2014/main" val="1382255763"/>
+                  </a:ext>
+                </a:extLst>
+              </a:tr>
+              <a:tr h="446816">
+                <a:tc>
+                  <a:txBody>
+                    <a:bodyPr/>
+                    <a:lstStyle/>
+                    <a:p>
+                      <a:r>
+                        <a:rPr lang="en-NZ" sz="1400" dirty="0">
+                          <a:latin typeface="Bahnschrift" panose="020B0502040204020203" pitchFamily="34" charset="0"/>
+                        </a:rPr>
+                        <a:t>Shapiro-Wilk</a:t>
+                      </a:r>
+                    </a:p>
+                  </a:txBody>
+                  <a:tcPr/>
+                </a:tc>
+                <a:tc>
+                  <a:txBody>
+                    <a:bodyPr/>
+                    <a:lstStyle/>
+                    <a:p>
+                      <a:r>
+                        <a:rPr lang="en-NZ" sz="1400" dirty="0">
+                          <a:latin typeface="Bahnschrift" panose="020B0502040204020203" pitchFamily="34" charset="0"/>
+                        </a:rPr>
+                        <a:t>Price distribution</a:t>
+                      </a:r>
+                    </a:p>
+                  </a:txBody>
+                  <a:tcPr/>
+                </a:tc>
+                <a:tc>
+                  <a:txBody>
+                    <a:bodyPr/>
+                    <a:lstStyle/>
+                    <a:p>
+                      <a:r>
+                        <a:rPr lang="en-NZ" sz="1400" dirty="0">
+                          <a:latin typeface="Bahnschrift" panose="020B0502040204020203" pitchFamily="34" charset="0"/>
+                        </a:rPr>
+                        <a:t>0.974</a:t>
+                      </a:r>
+                    </a:p>
+                  </a:txBody>
+                  <a:tcPr/>
+                </a:tc>
+                <a:tc>
+                  <a:txBody>
+                    <a:bodyPr/>
+                    <a:lstStyle/>
+                    <a:p>
+                      <a:r>
+                        <a:rPr lang="en-NZ" sz="1400" dirty="0">
+                          <a:latin typeface="Bahnschrift" panose="020B0502040204020203" pitchFamily="34" charset="0"/>
+                        </a:rPr>
+                        <a:t>0.000</a:t>
+                      </a:r>
+                    </a:p>
+                  </a:txBody>
+                  <a:tcPr/>
+                </a:tc>
+                <a:tc>
+                  <a:txBody>
+                    <a:bodyPr/>
+                    <a:lstStyle/>
+                    <a:p>
+                      <a:r>
+                        <a:rPr lang="en-NZ" sz="1400" dirty="0">
+                          <a:latin typeface="Bahnschrift" panose="020B0502040204020203" pitchFamily="34" charset="0"/>
+                        </a:rPr>
+                        <a:t>Price does not follow normal distribution</a:t>
+                      </a:r>
+                    </a:p>
+                  </a:txBody>
+                  <a:tcPr/>
+                </a:tc>
+                <a:extLst>
+                  <a:ext uri="{0D108BD9-81ED-4DB2-BD59-A6C34878D82A}">
+                    <a16:rowId xmlns:a16="http://schemas.microsoft.com/office/drawing/2014/main" val="2488295800"/>
+                  </a:ext>
+                </a:extLst>
+              </a:tr>
+              <a:tr h="446816">
+                <a:tc>
+                  <a:txBody>
+                    <a:bodyPr/>
+                    <a:lstStyle/>
+                    <a:p>
+                      <a:r>
+                        <a:rPr lang="en-NZ" sz="1400" dirty="0">
+                          <a:latin typeface="Bahnschrift" panose="020B0502040204020203" pitchFamily="34" charset="0"/>
+                        </a:rPr>
+                        <a:t>Spearman</a:t>
+                      </a:r>
+                    </a:p>
+                  </a:txBody>
+                  <a:tcPr/>
+                </a:tc>
+                <a:tc>
+                  <a:txBody>
+                    <a:bodyPr/>
+                    <a:lstStyle/>
+                    <a:p>
+                      <a:r>
+                        <a:rPr lang="en-NZ" sz="1400" dirty="0">
+                          <a:latin typeface="Bahnschrift" panose="020B0502040204020203" pitchFamily="34" charset="0"/>
+                        </a:rPr>
+                        <a:t>Price vs Reviews per month</a:t>
+                      </a:r>
+                    </a:p>
+                  </a:txBody>
+                  <a:tcPr/>
+                </a:tc>
+                <a:tc>
+                  <a:txBody>
+                    <a:bodyPr/>
+                    <a:lstStyle/>
+                    <a:p>
+                      <a:r>
+                        <a:rPr lang="en-NZ" sz="1400" dirty="0">
+                          <a:latin typeface="Bahnschrift" panose="020B0502040204020203" pitchFamily="34" charset="0"/>
+                        </a:rPr>
+                        <a:t>0.164</a:t>
+                      </a:r>
+                    </a:p>
+                  </a:txBody>
+                  <a:tcPr/>
+                </a:tc>
+                <a:tc>
+                  <a:txBody>
+                    <a:bodyPr/>
+                    <a:lstStyle/>
+                    <a:p>
+                      <a:r>
+                        <a:rPr lang="en-NZ" sz="1400" dirty="0">
+                          <a:latin typeface="Bahnschrift" panose="020B0502040204020203" pitchFamily="34" charset="0"/>
+                        </a:rPr>
+                        <a:t>0.000</a:t>
+                      </a:r>
+                    </a:p>
+                  </a:txBody>
+                  <a:tcPr/>
+                </a:tc>
+                <a:tc>
+                  <a:txBody>
+                    <a:bodyPr/>
+                    <a:lstStyle/>
+                    <a:p>
+                      <a:r>
+                        <a:rPr lang="en-NZ" sz="1400" dirty="0">
+                          <a:latin typeface="Bahnschrift" panose="020B0502040204020203" pitchFamily="34" charset="0"/>
+                        </a:rPr>
+                        <a:t>Positive and correlated</a:t>
+                      </a:r>
+                    </a:p>
+                  </a:txBody>
+                  <a:tcPr/>
+                </a:tc>
+                <a:extLst>
+                  <a:ext uri="{0D108BD9-81ED-4DB2-BD59-A6C34878D82A}">
+                    <a16:rowId xmlns:a16="http://schemas.microsoft.com/office/drawing/2014/main" val="1079467569"/>
+                  </a:ext>
+                </a:extLst>
+              </a:tr>
+              <a:tr h="446816">
+                <a:tc>
+                  <a:txBody>
+                    <a:bodyPr/>
+                    <a:lstStyle/>
+                    <a:p>
+                      <a:r>
+                        <a:rPr lang="en-NZ" sz="1400" dirty="0">
+                          <a:latin typeface="Bahnschrift" panose="020B0502040204020203" pitchFamily="34" charset="0"/>
+                        </a:rPr>
+                        <a:t>ANOVA</a:t>
+                      </a:r>
+                    </a:p>
+                  </a:txBody>
+                  <a:tcPr/>
+                </a:tc>
+                <a:tc>
+                  <a:txBody>
+                    <a:bodyPr/>
+                    <a:lstStyle/>
+                    <a:p>
+                      <a:r>
+                        <a:rPr lang="en-NZ" sz="1400" dirty="0">
+                          <a:latin typeface="Bahnschrift" panose="020B0502040204020203" pitchFamily="34" charset="0"/>
+                        </a:rPr>
+                        <a:t>Price per month vs price segment</a:t>
+                      </a:r>
+                    </a:p>
+                  </a:txBody>
+                  <a:tcPr/>
+                </a:tc>
+                <a:tc>
+                  <a:txBody>
+                    <a:bodyPr/>
+                    <a:lstStyle/>
+                    <a:p>
+                      <a:r>
+                        <a:rPr lang="en-NZ" sz="1400" dirty="0">
+                          <a:latin typeface="Bahnschrift" panose="020B0502040204020203" pitchFamily="34" charset="0"/>
+                        </a:rPr>
+                        <a:t>62.899</a:t>
+                      </a:r>
+                    </a:p>
+                  </a:txBody>
+                  <a:tcPr/>
+                </a:tc>
+                <a:tc>
+                  <a:txBody>
+                    <a:bodyPr/>
+                    <a:lstStyle/>
+                    <a:p>
+                      <a:r>
+                        <a:rPr lang="en-NZ" sz="1400" dirty="0">
+                          <a:latin typeface="Bahnschrift" panose="020B0502040204020203" pitchFamily="34" charset="0"/>
+                        </a:rPr>
+                        <a:t>0.000</a:t>
+                      </a:r>
+                    </a:p>
+                  </a:txBody>
+                  <a:tcPr/>
+                </a:tc>
+                <a:tc>
+                  <a:txBody>
+                    <a:bodyPr/>
+                    <a:lstStyle/>
+                    <a:p>
+                      <a:r>
+                        <a:rPr lang="en-NZ" sz="1400" dirty="0">
+                          <a:latin typeface="Bahnschrift" panose="020B0502040204020203" pitchFamily="34" charset="0"/>
+                        </a:rPr>
+                        <a:t>Significant</a:t>
+                      </a:r>
+                    </a:p>
+                  </a:txBody>
+                  <a:tcPr/>
+                </a:tc>
+                <a:extLst>
+                  <a:ext uri="{0D108BD9-81ED-4DB2-BD59-A6C34878D82A}">
+                    <a16:rowId xmlns:a16="http://schemas.microsoft.com/office/drawing/2014/main" val="652532974"/>
+                  </a:ext>
+                </a:extLst>
+              </a:tr>
+              <a:tr h="446816">
+                <a:tc>
+                  <a:txBody>
+                    <a:bodyPr/>
+                    <a:lstStyle/>
+                    <a:p>
+                      <a:r>
+                        <a:rPr lang="en-NZ" sz="1400" dirty="0">
+                          <a:latin typeface="Bahnschrift" panose="020B0502040204020203" pitchFamily="34" charset="0"/>
+                        </a:rPr>
+                        <a:t>Spearman</a:t>
+                      </a:r>
+                    </a:p>
+                  </a:txBody>
+                  <a:tcPr/>
+                </a:tc>
+                <a:tc>
+                  <a:txBody>
+                    <a:bodyPr/>
+                    <a:lstStyle/>
+                    <a:p>
+                      <a:r>
+                        <a:rPr lang="en-NZ" sz="1400" dirty="0">
+                          <a:latin typeface="Bahnschrift" panose="020B0502040204020203" pitchFamily="34" charset="0"/>
+                        </a:rPr>
+                        <a:t>Number of listing vs average price</a:t>
+                      </a:r>
+                    </a:p>
+                  </a:txBody>
+                  <a:tcPr/>
+                </a:tc>
+                <a:tc>
+                  <a:txBody>
+                    <a:bodyPr/>
+                    <a:lstStyle/>
+                    <a:p>
+                      <a:r>
+                        <a:rPr lang="en-NZ" sz="1400" dirty="0">
+                          <a:latin typeface="Bahnschrift" panose="020B0502040204020203" pitchFamily="34" charset="0"/>
+                        </a:rPr>
+                        <a:t>0.486</a:t>
+                      </a:r>
+                    </a:p>
+                  </a:txBody>
+                  <a:tcPr/>
+                </a:tc>
+                <a:tc>
+                  <a:txBody>
+                    <a:bodyPr/>
+                    <a:lstStyle/>
+                    <a:p>
+                      <a:r>
+                        <a:rPr lang="en-NZ" sz="1400" dirty="0">
+                          <a:latin typeface="Bahnschrift" panose="020B0502040204020203" pitchFamily="34" charset="0"/>
+                        </a:rPr>
+                        <a:t>0.000</a:t>
+                      </a:r>
+                    </a:p>
+                  </a:txBody>
+                  <a:tcPr/>
+                </a:tc>
+                <a:tc>
+                  <a:txBody>
+                    <a:bodyPr/>
+                    <a:lstStyle/>
+                    <a:p>
+                      <a:r>
+                        <a:rPr lang="en-NZ" sz="1400" dirty="0">
+                          <a:latin typeface="Bahnschrift" panose="020B0502040204020203" pitchFamily="34" charset="0"/>
+                        </a:rPr>
+                        <a:t>Significant</a:t>
+                      </a:r>
+                    </a:p>
+                  </a:txBody>
+                  <a:tcPr/>
+                </a:tc>
+                <a:extLst>
+                  <a:ext uri="{0D108BD9-81ED-4DB2-BD59-A6C34878D82A}">
+                    <a16:rowId xmlns:a16="http://schemas.microsoft.com/office/drawing/2014/main" val="1308720268"/>
+                  </a:ext>
+                </a:extLst>
+              </a:tr>
+              <a:tr h="446816">
+                <a:tc>
+                  <a:txBody>
+                    <a:bodyPr/>
+                    <a:lstStyle/>
+                    <a:p>
+                      <a:r>
+                        <a:rPr lang="en-NZ" sz="1400" dirty="0">
+                          <a:latin typeface="Bahnschrift" panose="020B0502040204020203" pitchFamily="34" charset="0"/>
+                        </a:rPr>
+                        <a:t>ANOVA</a:t>
+                      </a:r>
+                    </a:p>
+                  </a:txBody>
+                  <a:tcPr/>
+                </a:tc>
+                <a:tc>
+                  <a:txBody>
+                    <a:bodyPr/>
+                    <a:lstStyle/>
+                    <a:p>
+                      <a:r>
+                        <a:rPr lang="en-NZ" sz="1400" dirty="0">
+                          <a:latin typeface="Bahnschrift" panose="020B0502040204020203" pitchFamily="34" charset="0"/>
+                        </a:rPr>
+                        <a:t>Reviews per month vs neighbourhood</a:t>
+                      </a:r>
+                    </a:p>
+                  </a:txBody>
+                  <a:tcPr/>
+                </a:tc>
+                <a:tc>
+                  <a:txBody>
+                    <a:bodyPr/>
+                    <a:lstStyle/>
+                    <a:p>
+                      <a:r>
+                        <a:rPr lang="en-NZ" sz="1400" dirty="0">
+                          <a:latin typeface="Bahnschrift" panose="020B0502040204020203" pitchFamily="34" charset="0"/>
+                        </a:rPr>
+                        <a:t>2.494</a:t>
+                      </a:r>
+                    </a:p>
+                  </a:txBody>
+                  <a:tcPr/>
+                </a:tc>
+                <a:tc>
+                  <a:txBody>
+                    <a:bodyPr/>
+                    <a:lstStyle/>
+                    <a:p>
+                      <a:r>
+                        <a:rPr lang="en-NZ" sz="1400" dirty="0">
+                          <a:latin typeface="Bahnschrift" panose="020B0502040204020203" pitchFamily="34" charset="0"/>
+                        </a:rPr>
+                        <a:t>0.008</a:t>
+                      </a:r>
+                    </a:p>
+                  </a:txBody>
+                  <a:tcPr/>
+                </a:tc>
+                <a:tc>
+                  <a:txBody>
+                    <a:bodyPr/>
+                    <a:lstStyle/>
+                    <a:p>
+                      <a:r>
+                        <a:rPr lang="en-NZ" sz="1400" dirty="0">
+                          <a:latin typeface="Bahnschrift" panose="020B0502040204020203" pitchFamily="34" charset="0"/>
+                        </a:rPr>
+                        <a:t>Significant</a:t>
+                      </a:r>
+                    </a:p>
+                  </a:txBody>
+                  <a:tcPr/>
+                </a:tc>
+                <a:extLst>
+                  <a:ext uri="{0D108BD9-81ED-4DB2-BD59-A6C34878D82A}">
+                    <a16:rowId xmlns:a16="http://schemas.microsoft.com/office/drawing/2014/main" val="379955807"/>
+                  </a:ext>
+                </a:extLst>
+              </a:tr>
+              <a:tr h="446816">
+                <a:tc>
+                  <a:txBody>
+                    <a:bodyPr/>
+                    <a:lstStyle/>
+                    <a:p>
+                      <a:r>
+                        <a:rPr lang="en-NZ" sz="1400" dirty="0">
+                          <a:latin typeface="Bahnschrift" panose="020B0502040204020203" pitchFamily="34" charset="0"/>
+                        </a:rPr>
+                        <a:t>Chi-Test</a:t>
+                      </a:r>
+                    </a:p>
+                  </a:txBody>
+                  <a:tcPr/>
+                </a:tc>
+                <a:tc>
+                  <a:txBody>
+                    <a:bodyPr/>
+                    <a:lstStyle/>
+                    <a:p>
+                      <a:r>
+                        <a:rPr lang="en-NZ" sz="1400" dirty="0">
+                          <a:latin typeface="Bahnschrift" panose="020B0502040204020203" pitchFamily="34" charset="0"/>
+                        </a:rPr>
+                        <a:t>Host type vs reviews metrics group</a:t>
+                      </a:r>
+                    </a:p>
+                  </a:txBody>
+                  <a:tcPr/>
+                </a:tc>
+                <a:tc>
+                  <a:txBody>
+                    <a:bodyPr/>
+                    <a:lstStyle/>
+                    <a:p>
+                      <a:r>
+                        <a:rPr lang="en-NZ" sz="1400" dirty="0">
+                          <a:latin typeface="Bahnschrift" panose="020B0502040204020203" pitchFamily="34" charset="0"/>
+                        </a:rPr>
+                        <a:t>159.007</a:t>
+                      </a:r>
+                    </a:p>
+                  </a:txBody>
+                  <a:tcPr/>
+                </a:tc>
+                <a:tc>
+                  <a:txBody>
+                    <a:bodyPr/>
+                    <a:lstStyle/>
+                    <a:p>
+                      <a:r>
+                        <a:rPr lang="en-NZ" sz="1400" dirty="0">
+                          <a:latin typeface="Bahnschrift" panose="020B0502040204020203" pitchFamily="34" charset="0"/>
+                        </a:rPr>
+                        <a:t>0.000</a:t>
+                      </a:r>
+                    </a:p>
+                  </a:txBody>
+                  <a:tcPr/>
+                </a:tc>
+                <a:tc>
+                  <a:txBody>
+                    <a:bodyPr/>
+                    <a:lstStyle/>
+                    <a:p>
+                      <a:r>
+                        <a:rPr lang="en-NZ" sz="1400" dirty="0">
+                          <a:latin typeface="Bahnschrift" panose="020B0502040204020203" pitchFamily="34" charset="0"/>
+                        </a:rPr>
+                        <a:t>Significant Association</a:t>
+                      </a:r>
+                    </a:p>
+                  </a:txBody>
+                  <a:tcPr/>
+                </a:tc>
+                <a:extLst>
+                  <a:ext uri="{0D108BD9-81ED-4DB2-BD59-A6C34878D82A}">
+                    <a16:rowId xmlns:a16="http://schemas.microsoft.com/office/drawing/2014/main" val="3124550248"/>
+                  </a:ext>
+                </a:extLst>
+              </a:tr>
+              <a:tr h="446816">
+                <a:tc>
+                  <a:txBody>
+                    <a:bodyPr/>
+                    <a:lstStyle/>
+                    <a:p>
+                      <a:r>
+                        <a:rPr lang="en-NZ" sz="1400" dirty="0">
+                          <a:latin typeface="Bahnschrift" panose="020B0502040204020203" pitchFamily="34" charset="0"/>
+                        </a:rPr>
+                        <a:t>Spearman</a:t>
+                      </a:r>
+                    </a:p>
+                  </a:txBody>
+                  <a:tcPr/>
+                </a:tc>
+                <a:tc>
+                  <a:txBody>
+                    <a:bodyPr/>
+                    <a:lstStyle/>
+                    <a:p>
+                      <a:r>
+                        <a:rPr lang="en-NZ" sz="1400" dirty="0">
+                          <a:latin typeface="Bahnschrift" panose="020B0502040204020203" pitchFamily="34" charset="0"/>
+                        </a:rPr>
+                        <a:t>Minimum nights vs reviews per month</a:t>
+                      </a:r>
+                    </a:p>
+                  </a:txBody>
+                  <a:tcPr/>
+                </a:tc>
+                <a:tc>
+                  <a:txBody>
+                    <a:bodyPr/>
+                    <a:lstStyle/>
+                    <a:p>
+                      <a:r>
+                        <a:rPr lang="en-NZ" sz="1400" dirty="0">
+                          <a:latin typeface="Bahnschrift" panose="020B0502040204020203" pitchFamily="34" charset="0"/>
+                        </a:rPr>
+                        <a:t>-0.081</a:t>
+                      </a:r>
+                    </a:p>
+                  </a:txBody>
+                  <a:tcPr/>
+                </a:tc>
+                <a:tc>
+                  <a:txBody>
+                    <a:bodyPr/>
+                    <a:lstStyle/>
+                    <a:p>
+                      <a:r>
+                        <a:rPr lang="en-NZ" sz="1400" dirty="0">
+                          <a:latin typeface="Bahnschrift" panose="020B0502040204020203" pitchFamily="34" charset="0"/>
+                        </a:rPr>
+                        <a:t>0.000</a:t>
+                      </a:r>
+                    </a:p>
+                  </a:txBody>
+                  <a:tcPr/>
+                </a:tc>
+                <a:tc>
+                  <a:txBody>
+                    <a:bodyPr/>
+                    <a:lstStyle/>
+                    <a:p>
+                      <a:r>
+                        <a:rPr lang="en-NZ" sz="1400" dirty="0">
+                          <a:latin typeface="Bahnschrift" panose="020B0502040204020203" pitchFamily="34" charset="0"/>
+                        </a:rPr>
+                        <a:t>Negative and correlated</a:t>
+                      </a:r>
+                    </a:p>
+                  </a:txBody>
+                  <a:tcPr/>
+                </a:tc>
+                <a:extLst>
+                  <a:ext uri="{0D108BD9-81ED-4DB2-BD59-A6C34878D82A}">
+                    <a16:rowId xmlns:a16="http://schemas.microsoft.com/office/drawing/2014/main" val="342617835"/>
+                  </a:ext>
+                </a:extLst>
+              </a:tr>
+              <a:tr h="446816">
+                <a:tc>
+                  <a:txBody>
+                    <a:bodyPr/>
+                    <a:lstStyle/>
+                    <a:p>
+                      <a:r>
+                        <a:rPr lang="en-NZ" sz="1400" dirty="0">
+                          <a:latin typeface="Bahnschrift" panose="020B0502040204020203" pitchFamily="34" charset="0"/>
+                        </a:rPr>
+                        <a:t>Spearman</a:t>
+                      </a:r>
+                    </a:p>
+                  </a:txBody>
+                  <a:tcPr/>
+                </a:tc>
+                <a:tc>
+                  <a:txBody>
+                    <a:bodyPr/>
+                    <a:lstStyle/>
+                    <a:p>
+                      <a:r>
+                        <a:rPr lang="en-NZ" sz="1400" dirty="0">
+                          <a:latin typeface="Bahnschrift" panose="020B0502040204020203" pitchFamily="34" charset="0"/>
+                        </a:rPr>
+                        <a:t>Availability vs number of reviews last 12 months</a:t>
+                      </a:r>
+                    </a:p>
+                  </a:txBody>
+                  <a:tcPr/>
+                </a:tc>
+                <a:tc>
+                  <a:txBody>
+                    <a:bodyPr/>
+                    <a:lstStyle/>
+                    <a:p>
+                      <a:r>
+                        <a:rPr lang="en-NZ" sz="1400" dirty="0">
+                          <a:latin typeface="Bahnschrift" panose="020B0502040204020203" pitchFamily="34" charset="0"/>
+                        </a:rPr>
+                        <a:t>-0.197</a:t>
+                      </a:r>
+                    </a:p>
+                  </a:txBody>
+                  <a:tcPr/>
+                </a:tc>
+                <a:tc>
+                  <a:txBody>
+                    <a:bodyPr/>
+                    <a:lstStyle/>
+                    <a:p>
+                      <a:r>
+                        <a:rPr lang="en-NZ" sz="1400" dirty="0">
+                          <a:latin typeface="Bahnschrift" panose="020B0502040204020203" pitchFamily="34" charset="0"/>
+                        </a:rPr>
+                        <a:t>0.000</a:t>
+                      </a:r>
+                    </a:p>
+                  </a:txBody>
+                  <a:tcPr/>
+                </a:tc>
+                <a:tc>
+                  <a:txBody>
+                    <a:bodyPr/>
+                    <a:lstStyle/>
+                    <a:p>
+                      <a:r>
+                        <a:rPr lang="en-NZ" sz="1400" dirty="0">
+                          <a:latin typeface="Bahnschrift" panose="020B0502040204020203" pitchFamily="34" charset="0"/>
+                        </a:rPr>
+                        <a:t>Negative and correlated</a:t>
+                      </a:r>
+                    </a:p>
+                  </a:txBody>
+                  <a:tcPr/>
+                </a:tc>
+                <a:extLst>
+                  <a:ext uri="{0D108BD9-81ED-4DB2-BD59-A6C34878D82A}">
+                    <a16:rowId xmlns:a16="http://schemas.microsoft.com/office/drawing/2014/main" val="3369465852"/>
+                  </a:ext>
+                </a:extLst>
+              </a:tr>
+            </a:tbl>
+          </a:graphicData>
+        </a:graphic>
+      </p:graphicFrame>
     </p:spTree>
     <p:extLst>
       <p:ext uri="{BB962C8B-B14F-4D97-AF65-F5344CB8AC3E}">
@@ -8046,7 +8721,7 @@
         <p:spPr>
           <a:xfrm>
             <a:off x="1226522" y="1134576"/>
-            <a:ext cx="2811184" cy="923330"/>
+            <a:ext cx="2811184" cy="769441"/>
           </a:xfrm>
           <a:prstGeom prst="rect">
             <a:avLst/>
@@ -8065,7 +8740,7 @@
           <a:p>
             <a:pPr algn="ctr"/>
             <a:r>
-              <a:rPr lang="en-US" sz="5400" b="0" cap="none" spc="0" dirty="0">
+              <a:rPr lang="en-US" sz="4400" b="0" cap="none" spc="0" dirty="0">
                 <a:ln w="0"/>
                 <a:solidFill>
                   <a:schemeClr val="tx1"/>
@@ -9096,14 +9771,13 @@
           <a:p>
             <a:pPr algn="just"/>
             <a:r>
-              <a:rPr lang="en-US" sz="1400" b="0" i="0" dirty="0">
-                <a:solidFill>
-                  <a:schemeClr val="tx1"/>
-                </a:solidFill>
-                <a:effectLst/>
-                <a:latin typeface="Bahnschrift" panose="020B0502040204020203" pitchFamily="34" charset="0"/>
-              </a:rPr>
-              <a:t>One minimum night requirement correlates with 2x higher review frequency compared to the average, while 30+ night minimums nearly eliminate bookings. For backpacker-focused hosts, flexibility in minimum night policies is crucial to capturing high booking velocity and market competitiveness</a:t>
+              <a:rPr lang="en-US" sz="1400" dirty="0">
+                <a:solidFill>
+                  <a:schemeClr val="tx1"/>
+                </a:solidFill>
+                <a:latin typeface="Bahnschrift" panose="020B0502040204020203" pitchFamily="34" charset="0"/>
+              </a:rPr>
+              <a:t>Flexible minimum nights have a high possibility to attracts more reviews compared to others. There is an outlier in 670 bins, there might be a niche market that causes one properties to have such high reviews for approximately 2 years occupancy.</a:t>
             </a:r>
             <a:endParaRPr lang="en-NZ" sz="1400" dirty="0">
               <a:solidFill>
@@ -9691,7 +10365,7 @@
         </p:nvSpPr>
         <p:spPr>
           <a:xfrm>
-            <a:off x="835921" y="2757612"/>
+            <a:off x="820047" y="2691221"/>
             <a:ext cx="5897985" cy="816661"/>
           </a:xfrm>
           <a:prstGeom prst="rect">
@@ -10110,7 +10784,7 @@
         </p:nvSpPr>
         <p:spPr>
           <a:xfrm>
-            <a:off x="6733907" y="2827020"/>
+            <a:off x="6725315" y="2757612"/>
             <a:ext cx="259240" cy="735330"/>
           </a:xfrm>
           <a:prstGeom prst="rightArrow">
@@ -10163,7 +10837,7 @@
         <p:spPr>
           <a:xfrm>
             <a:off x="6993147" y="4624355"/>
-            <a:ext cx="4356178" cy="1504393"/>
+            <a:ext cx="4356178" cy="1774043"/>
           </a:xfrm>
           <a:prstGeom prst="rect">
             <a:avLst/>
@@ -10292,6 +10966,21 @@
               <a:t>, Bang Rak</a:t>
             </a:r>
           </a:p>
+          <a:p>
+            <a:pPr marL="285750" indent="-285750">
+              <a:buFontTx/>
+              <a:buChar char="-"/>
+            </a:pPr>
+            <a:r>
+              <a:rPr lang="en-US" sz="1400" dirty="0">
+                <a:solidFill>
+                  <a:schemeClr val="tx1"/>
+                </a:solidFill>
+                <a:latin typeface="Bahnschrift" panose="020B0502040204020203" pitchFamily="34" charset="0"/>
+              </a:rPr>
+              <a:t>No minimum nights requirement</a:t>
+            </a:r>
+          </a:p>
         </p:txBody>
       </p:sp>
       <p:sp>
@@ -10361,7 +11050,7 @@
         <p:spPr>
           <a:xfrm>
             <a:off x="829352" y="3776143"/>
-            <a:ext cx="5897985" cy="2352605"/>
+            <a:ext cx="5897985" cy="2650536"/>
           </a:xfrm>
           <a:prstGeom prst="rect">
             <a:avLst/>
@@ -10449,6 +11138,21 @@
                 <a:latin typeface="Bahnschrift" panose="020B0502040204020203" pitchFamily="34" charset="0"/>
               </a:rPr>
               <a:t>For existing underperforming business owner, there is a significant opportunity to increase reviews by fixing non-data driven parameter such as cleanliness, service, and room quality.</a:t>
+            </a:r>
+          </a:p>
+          <a:p>
+            <a:pPr marL="285750" indent="-285750" algn="just">
+              <a:buFont typeface="Arial" panose="020B0604020202020204" pitchFamily="34" charset="0"/>
+              <a:buChar char="•"/>
+            </a:pPr>
+            <a:r>
+              <a:rPr lang="en-NZ" sz="1400" dirty="0">
+                <a:solidFill>
+                  <a:schemeClr val="tx1"/>
+                </a:solidFill>
+                <a:latin typeface="Bahnschrift" panose="020B0502040204020203" pitchFamily="34" charset="0"/>
+              </a:rPr>
+              <a:t>For Airbnb, marketing segmented for backpacker must improved</a:t>
             </a:r>
           </a:p>
         </p:txBody>
@@ -10615,8 +11319,8 @@
         </p:nvSpPr>
         <p:spPr>
           <a:xfrm>
-            <a:off x="885826" y="2257425"/>
-            <a:ext cx="10077450" cy="3766548"/>
+            <a:off x="2126842" y="2257425"/>
+            <a:ext cx="8836434" cy="3766548"/>
           </a:xfrm>
           <a:prstGeom prst="rect">
             <a:avLst/>
@@ -10694,25 +11398,7 @@
                 </a:solidFill>
                 <a:latin typeface="Bahnschrift" panose="020B0502040204020203" pitchFamily="34" charset="0"/>
               </a:rPr>
-              <a:t> - Central Bangkok attracts overall sectors </a:t>
-            </a:r>
-            <a:r>
-              <a:rPr lang="en-US" sz="2000">
-                <a:solidFill>
-                  <a:schemeClr val="tx1"/>
-                </a:solidFill>
-                <a:latin typeface="Bahnschrift" panose="020B0502040204020203" pitchFamily="34" charset="0"/>
-              </a:rPr>
-              <a:t>from budget to </a:t>
-            </a:r>
-            <a:r>
-              <a:rPr lang="en-US" sz="2000" dirty="0">
-                <a:solidFill>
-                  <a:schemeClr val="tx1"/>
-                </a:solidFill>
-                <a:latin typeface="Bahnschrift" panose="020B0502040204020203" pitchFamily="34" charset="0"/>
-              </a:rPr>
-              <a:t>premium segments</a:t>
+              <a:t> - Central Bangkok attracts overall sectors from budget to premium segments</a:t>
             </a:r>
           </a:p>
           <a:p>
@@ -10784,7 +11470,7 @@
                 </a:solidFill>
                 <a:latin typeface="Bahnschrift" panose="020B0502040204020203" pitchFamily="34" charset="0"/>
               </a:rPr>
-              <a:t>- 1-night minimums crucial for high-review, high-turnover success</a:t>
+              <a:t>- 1-night minimums crucial to attracts reviews and maximize occupancy</a:t>
             </a:r>
             <a:endParaRPr lang="en-NZ" sz="2000" dirty="0">
               <a:solidFill>
@@ -11020,8 +11706,8 @@
         </p:nvSpPr>
         <p:spPr>
           <a:xfrm>
-            <a:off x="5805578" y="1475116"/>
-            <a:ext cx="6142008" cy="1953883"/>
+            <a:off x="5822831" y="1110447"/>
+            <a:ext cx="6142008" cy="1633746"/>
           </a:xfrm>
         </p:spPr>
         <p:txBody>
@@ -11573,6 +12259,369 @@
                 <a:latin typeface="Bahnschrift" panose="020B0502040204020203" pitchFamily="34" charset="0"/>
               </a:rPr>
               <a:t>Frequent travellers &amp; Junior consultant at Airbnb LLC Southeast Asia Division</a:t>
+            </a:r>
+          </a:p>
+        </p:txBody>
+      </p:sp>
+      <p:sp>
+        <p:nvSpPr>
+          <p:cNvPr id="3" name="Title 1">
+            <a:extLst>
+              <a:ext uri="{FF2B5EF4-FFF2-40B4-BE49-F238E27FC236}">
+                <a16:creationId xmlns:a16="http://schemas.microsoft.com/office/drawing/2014/main" id="{DDFE243A-38B4-78BF-0A81-D16CE14E2FB4}"/>
+              </a:ext>
+            </a:extLst>
+          </p:cNvPr>
+          <p:cNvSpPr txBox="1">
+            <a:spLocks/>
+          </p:cNvSpPr>
+          <p:nvPr/>
+        </p:nvSpPr>
+        <p:spPr>
+          <a:xfrm>
+            <a:off x="5822831" y="3721581"/>
+            <a:ext cx="4126174" cy="1633746"/>
+          </a:xfrm>
+          <a:prstGeom prst="rect">
+            <a:avLst/>
+          </a:prstGeom>
+        </p:spPr>
+        <p:txBody>
+          <a:bodyPr vert="horz" lIns="91440" tIns="45720" rIns="91440" bIns="45720" rtlCol="0" anchor="b">
+            <a:noAutofit/>
+          </a:bodyPr>
+          <a:lstStyle>
+            <a:lvl1pPr algn="ctr" defTabSz="914400" rtl="0" eaLnBrk="1" latinLnBrk="0" hangingPunct="1">
+              <a:lnSpc>
+                <a:spcPct val="90000"/>
+              </a:lnSpc>
+              <a:spcBef>
+                <a:spcPct val="0"/>
+              </a:spcBef>
+              <a:buNone/>
+              <a:defRPr sz="6000" kern="1200">
+                <a:solidFill>
+                  <a:schemeClr val="tx1"/>
+                </a:solidFill>
+                <a:latin typeface="+mj-lt"/>
+                <a:ea typeface="+mj-ea"/>
+                <a:cs typeface="+mj-cs"/>
+              </a:defRPr>
+            </a:lvl1pPr>
+          </a:lstStyle>
+          <a:p>
+            <a:endParaRPr lang="en-NZ" sz="2000" b="1" dirty="0">
+              <a:solidFill>
+                <a:schemeClr val="bg1"/>
+              </a:solidFill>
+              <a:effectLst>
+                <a:outerShdw blurRad="50800" dist="38100" dir="2700000" algn="tl" rotWithShape="0">
+                  <a:prstClr val="black">
+                    <a:alpha val="40000"/>
+                  </a:prstClr>
+                </a:outerShdw>
+              </a:effectLst>
+              <a:latin typeface="Bahnschrift" panose="020B0502040204020203" pitchFamily="34" charset="0"/>
+              <a:hlinkClick r:id="rId5">
+                <a:extLst>
+                  <a:ext uri="{A12FA001-AC4F-418D-AE19-62706E023703}">
+                    <ahyp:hlinkClr xmlns:ahyp="http://schemas.microsoft.com/office/drawing/2018/hyperlinkcolor" val="tx"/>
+                  </a:ext>
+                </a:extLst>
+              </a:hlinkClick>
+            </a:endParaRPr>
+          </a:p>
+          <a:p>
+            <a:pPr algn="l"/>
+            <a:r>
+              <a:rPr lang="en-NZ" sz="2000" b="1" dirty="0">
+                <a:solidFill>
+                  <a:schemeClr val="bg1"/>
+                </a:solidFill>
+                <a:effectLst>
+                  <a:outerShdw blurRad="50800" dist="38100" dir="2700000" algn="tl" rotWithShape="0">
+                    <a:prstClr val="black">
+                      <a:alpha val="40000"/>
+                    </a:prstClr>
+                  </a:outerShdw>
+                </a:effectLst>
+                <a:latin typeface="Bahnschrift" panose="020B0502040204020203" pitchFamily="34" charset="0"/>
+                <a:hlinkClick r:id="rId5">
+                  <a:extLst>
+                    <a:ext uri="{A12FA001-AC4F-418D-AE19-62706E023703}">
+                      <ahyp:hlinkClr xmlns:ahyp="http://schemas.microsoft.com/office/drawing/2018/hyperlinkcolor" val="tx"/>
+                    </a:ext>
+                  </a:extLst>
+                </a:hlinkClick>
+              </a:rPr>
+              <a:t>Tableau</a:t>
+            </a:r>
+            <a:r>
+              <a:rPr lang="en-NZ" sz="2000" b="1" dirty="0">
+                <a:solidFill>
+                  <a:schemeClr val="bg1"/>
+                </a:solidFill>
+                <a:effectLst>
+                  <a:outerShdw blurRad="50800" dist="38100" dir="2700000" algn="tl" rotWithShape="0">
+                    <a:prstClr val="black">
+                      <a:alpha val="40000"/>
+                    </a:prstClr>
+                  </a:outerShdw>
+                </a:effectLst>
+                <a:latin typeface="Bahnschrift" panose="020B0502040204020203" pitchFamily="34" charset="0"/>
+              </a:rPr>
+              <a:t> </a:t>
+            </a:r>
+          </a:p>
+          <a:p>
+            <a:pPr algn="l"/>
+            <a:r>
+              <a:rPr lang="en-NZ" sz="2000" b="1" dirty="0">
+                <a:solidFill>
+                  <a:schemeClr val="bg1"/>
+                </a:solidFill>
+                <a:effectLst>
+                  <a:outerShdw blurRad="50800" dist="38100" dir="2700000" algn="tl" rotWithShape="0">
+                    <a:prstClr val="black">
+                      <a:alpha val="40000"/>
+                    </a:prstClr>
+                  </a:outerShdw>
+                </a:effectLst>
+                <a:latin typeface="Bahnschrift" panose="020B0502040204020203" pitchFamily="34" charset="0"/>
+                <a:hlinkClick r:id="rId6">
+                  <a:extLst>
+                    <a:ext uri="{A12FA001-AC4F-418D-AE19-62706E023703}">
+                      <ahyp:hlinkClr xmlns:ahyp="http://schemas.microsoft.com/office/drawing/2018/hyperlinkcolor" val="tx"/>
+                    </a:ext>
+                  </a:extLst>
+                </a:hlinkClick>
+              </a:rPr>
+              <a:t>GitHub</a:t>
+            </a:r>
+            <a:endParaRPr lang="en-NZ" sz="2000" b="1" dirty="0">
+              <a:solidFill>
+                <a:schemeClr val="bg1"/>
+              </a:solidFill>
+              <a:effectLst>
+                <a:outerShdw blurRad="50800" dist="38100" dir="2700000" algn="tl" rotWithShape="0">
+                  <a:prstClr val="black">
+                    <a:alpha val="40000"/>
+                  </a:prstClr>
+                </a:outerShdw>
+              </a:effectLst>
+              <a:latin typeface="Bahnschrift" panose="020B0502040204020203" pitchFamily="34" charset="0"/>
+            </a:endParaRPr>
+          </a:p>
+        </p:txBody>
+      </p:sp>
+      <p:sp>
+        <p:nvSpPr>
+          <p:cNvPr id="7" name="Subtitle 2">
+            <a:extLst>
+              <a:ext uri="{FF2B5EF4-FFF2-40B4-BE49-F238E27FC236}">
+                <a16:creationId xmlns:a16="http://schemas.microsoft.com/office/drawing/2014/main" id="{90B2C325-B952-E635-F385-B2502E0156CF}"/>
+              </a:ext>
+            </a:extLst>
+          </p:cNvPr>
+          <p:cNvSpPr txBox="1">
+            <a:spLocks/>
+          </p:cNvSpPr>
+          <p:nvPr/>
+        </p:nvSpPr>
+        <p:spPr>
+          <a:xfrm>
+            <a:off x="5745018" y="4345881"/>
+            <a:ext cx="3148817" cy="455215"/>
+          </a:xfrm>
+          <a:prstGeom prst="rect">
+            <a:avLst/>
+          </a:prstGeom>
+        </p:spPr>
+        <p:txBody>
+          <a:bodyPr vert="horz" lIns="91440" tIns="45720" rIns="91440" bIns="45720" rtlCol="0">
+            <a:normAutofit/>
+          </a:bodyPr>
+          <a:lstStyle>
+            <a:lvl1pPr marL="0" indent="0" algn="ctr" defTabSz="914400" rtl="0" eaLnBrk="1" latinLnBrk="0" hangingPunct="1">
+              <a:lnSpc>
+                <a:spcPct val="90000"/>
+              </a:lnSpc>
+              <a:spcBef>
+                <a:spcPts val="1000"/>
+              </a:spcBef>
+              <a:buFont typeface="Arial" panose="020B0604020202020204" pitchFamily="34" charset="0"/>
+              <a:buNone/>
+              <a:defRPr sz="2400" kern="1200">
+                <a:solidFill>
+                  <a:schemeClr val="tx1"/>
+                </a:solidFill>
+                <a:latin typeface="+mn-lt"/>
+                <a:ea typeface="+mn-ea"/>
+                <a:cs typeface="+mn-cs"/>
+              </a:defRPr>
+            </a:lvl1pPr>
+            <a:lvl2pPr marL="457200" indent="0" algn="ctr" defTabSz="914400" rtl="0" eaLnBrk="1" latinLnBrk="0" hangingPunct="1">
+              <a:lnSpc>
+                <a:spcPct val="90000"/>
+              </a:lnSpc>
+              <a:spcBef>
+                <a:spcPts val="500"/>
+              </a:spcBef>
+              <a:buFont typeface="Arial" panose="020B0604020202020204" pitchFamily="34" charset="0"/>
+              <a:buNone/>
+              <a:defRPr sz="2000" kern="1200">
+                <a:solidFill>
+                  <a:schemeClr val="tx1"/>
+                </a:solidFill>
+                <a:latin typeface="+mn-lt"/>
+                <a:ea typeface="+mn-ea"/>
+                <a:cs typeface="+mn-cs"/>
+              </a:defRPr>
+            </a:lvl2pPr>
+            <a:lvl3pPr marL="914400" indent="0" algn="ctr" defTabSz="914400" rtl="0" eaLnBrk="1" latinLnBrk="0" hangingPunct="1">
+              <a:lnSpc>
+                <a:spcPct val="90000"/>
+              </a:lnSpc>
+              <a:spcBef>
+                <a:spcPts val="500"/>
+              </a:spcBef>
+              <a:buFont typeface="Arial" panose="020B0604020202020204" pitchFamily="34" charset="0"/>
+              <a:buNone/>
+              <a:defRPr sz="1800" kern="1200">
+                <a:solidFill>
+                  <a:schemeClr val="tx1"/>
+                </a:solidFill>
+                <a:latin typeface="+mn-lt"/>
+                <a:ea typeface="+mn-ea"/>
+                <a:cs typeface="+mn-cs"/>
+              </a:defRPr>
+            </a:lvl3pPr>
+            <a:lvl4pPr marL="1371600" indent="0" algn="ctr" defTabSz="914400" rtl="0" eaLnBrk="1" latinLnBrk="0" hangingPunct="1">
+              <a:lnSpc>
+                <a:spcPct val="90000"/>
+              </a:lnSpc>
+              <a:spcBef>
+                <a:spcPts val="500"/>
+              </a:spcBef>
+              <a:buFont typeface="Arial" panose="020B0604020202020204" pitchFamily="34" charset="0"/>
+              <a:buNone/>
+              <a:defRPr sz="1600" kern="1200">
+                <a:solidFill>
+                  <a:schemeClr val="tx1"/>
+                </a:solidFill>
+                <a:latin typeface="+mn-lt"/>
+                <a:ea typeface="+mn-ea"/>
+                <a:cs typeface="+mn-cs"/>
+              </a:defRPr>
+            </a:lvl4pPr>
+            <a:lvl5pPr marL="1828800" indent="0" algn="ctr" defTabSz="914400" rtl="0" eaLnBrk="1" latinLnBrk="0" hangingPunct="1">
+              <a:lnSpc>
+                <a:spcPct val="90000"/>
+              </a:lnSpc>
+              <a:spcBef>
+                <a:spcPts val="500"/>
+              </a:spcBef>
+              <a:buFont typeface="Arial" panose="020B0604020202020204" pitchFamily="34" charset="0"/>
+              <a:buNone/>
+              <a:defRPr sz="1600" kern="1200">
+                <a:solidFill>
+                  <a:schemeClr val="tx1"/>
+                </a:solidFill>
+                <a:latin typeface="+mn-lt"/>
+                <a:ea typeface="+mn-ea"/>
+                <a:cs typeface="+mn-cs"/>
+              </a:defRPr>
+            </a:lvl5pPr>
+            <a:lvl6pPr marL="2286000" indent="0" algn="ctr" defTabSz="914400" rtl="0" eaLnBrk="1" latinLnBrk="0" hangingPunct="1">
+              <a:lnSpc>
+                <a:spcPct val="90000"/>
+              </a:lnSpc>
+              <a:spcBef>
+                <a:spcPts val="500"/>
+              </a:spcBef>
+              <a:buFont typeface="Arial" panose="020B0604020202020204" pitchFamily="34" charset="0"/>
+              <a:buNone/>
+              <a:defRPr sz="1600" kern="1200">
+                <a:solidFill>
+                  <a:schemeClr val="tx1"/>
+                </a:solidFill>
+                <a:latin typeface="+mn-lt"/>
+                <a:ea typeface="+mn-ea"/>
+                <a:cs typeface="+mn-cs"/>
+              </a:defRPr>
+            </a:lvl6pPr>
+            <a:lvl7pPr marL="2743200" indent="0" algn="ctr" defTabSz="914400" rtl="0" eaLnBrk="1" latinLnBrk="0" hangingPunct="1">
+              <a:lnSpc>
+                <a:spcPct val="90000"/>
+              </a:lnSpc>
+              <a:spcBef>
+                <a:spcPts val="500"/>
+              </a:spcBef>
+              <a:buFont typeface="Arial" panose="020B0604020202020204" pitchFamily="34" charset="0"/>
+              <a:buNone/>
+              <a:defRPr sz="1600" kern="1200">
+                <a:solidFill>
+                  <a:schemeClr val="tx1"/>
+                </a:solidFill>
+                <a:latin typeface="+mn-lt"/>
+                <a:ea typeface="+mn-ea"/>
+                <a:cs typeface="+mn-cs"/>
+              </a:defRPr>
+            </a:lvl7pPr>
+            <a:lvl8pPr marL="3200400" indent="0" algn="ctr" defTabSz="914400" rtl="0" eaLnBrk="1" latinLnBrk="0" hangingPunct="1">
+              <a:lnSpc>
+                <a:spcPct val="90000"/>
+              </a:lnSpc>
+              <a:spcBef>
+                <a:spcPts val="500"/>
+              </a:spcBef>
+              <a:buFont typeface="Arial" panose="020B0604020202020204" pitchFamily="34" charset="0"/>
+              <a:buNone/>
+              <a:defRPr sz="1600" kern="1200">
+                <a:solidFill>
+                  <a:schemeClr val="tx1"/>
+                </a:solidFill>
+                <a:latin typeface="+mn-lt"/>
+                <a:ea typeface="+mn-ea"/>
+                <a:cs typeface="+mn-cs"/>
+              </a:defRPr>
+            </a:lvl8pPr>
+            <a:lvl9pPr marL="3657600" indent="0" algn="ctr" defTabSz="914400" rtl="0" eaLnBrk="1" latinLnBrk="0" hangingPunct="1">
+              <a:lnSpc>
+                <a:spcPct val="90000"/>
+              </a:lnSpc>
+              <a:spcBef>
+                <a:spcPts val="500"/>
+              </a:spcBef>
+              <a:buFont typeface="Arial" panose="020B0604020202020204" pitchFamily="34" charset="0"/>
+              <a:buNone/>
+              <a:defRPr sz="1600" kern="1200">
+                <a:solidFill>
+                  <a:schemeClr val="tx1"/>
+                </a:solidFill>
+                <a:latin typeface="+mn-lt"/>
+                <a:ea typeface="+mn-ea"/>
+                <a:cs typeface="+mn-cs"/>
+              </a:defRPr>
+            </a:lvl9pPr>
+          </a:lstStyle>
+          <a:p>
+            <a:pPr algn="l"/>
+            <a:r>
+              <a:rPr lang="en-NZ" sz="2000" b="1" dirty="0">
+                <a:solidFill>
+                  <a:schemeClr val="bg1"/>
+                </a:solidFill>
+                <a:effectLst>
+                  <a:outerShdw blurRad="50800" dist="38100" dir="2700000" algn="tl" rotWithShape="0">
+                    <a:prstClr val="black">
+                      <a:alpha val="40000"/>
+                    </a:prstClr>
+                  </a:outerShdw>
+                </a:effectLst>
+                <a:latin typeface="Bahnschrift" panose="020B0502040204020203" pitchFamily="34" charset="0"/>
+              </a:rPr>
+              <a:t>External Links:</a:t>
             </a:r>
           </a:p>
         </p:txBody>
